--- a/Week 10 - Advanced Data Storage and Retrieval/Homework/Instructions/ClimatePy.pptx
+++ b/Week 10 - Advanced Data Storage and Retrieval/Homework/Instructions/ClimatePy.pptx
@@ -5,11 +5,12 @@
     <p:sldMasterId id="2147483648" r:id="rId1"/>
   </p:sldMasterIdLst>
   <p:notesMasterIdLst>
-    <p:notesMasterId r:id="rId4"/>
+    <p:notesMasterId r:id="rId5"/>
   </p:notesMasterIdLst>
   <p:sldIdLst>
     <p:sldId id="256" r:id="rId2"/>
     <p:sldId id="257" r:id="rId3"/>
+    <p:sldId id="258" r:id="rId4"/>
   </p:sldIdLst>
   <p:sldSz cx="12192000" cy="6858000"/>
   <p:notesSz cx="6858000" cy="9144000"/>
@@ -198,7 +199,7 @@
           <a:p>
             <a:fld id="{2528BF32-87B3-4D86-90A2-53319B7DFE23}" type="datetimeFigureOut">
               <a:rPr lang="en-CA" smtClean="0"/>
-              <a:t>2019-07-28</a:t>
+              <a:t>2019-08-14</a:t>
             </a:fld>
             <a:endParaRPr lang="en-CA"/>
           </a:p>
@@ -615,7 +616,7 @@
           <a:p>
             <a:fld id="{0F941354-537A-4752-81F5-DA44B1FBC896}" type="datetime1">
               <a:rPr lang="en-CA" smtClean="0"/>
-              <a:t>2019-07-28</a:t>
+              <a:t>2019-08-14</a:t>
             </a:fld>
             <a:endParaRPr lang="en-CA"/>
           </a:p>
@@ -815,7 +816,7 @@
           <a:p>
             <a:fld id="{A3765F36-17F6-43B4-87F5-D2F3B18CE649}" type="datetime1">
               <a:rPr lang="en-CA" smtClean="0"/>
-              <a:t>2019-07-28</a:t>
+              <a:t>2019-08-14</a:t>
             </a:fld>
             <a:endParaRPr lang="en-CA"/>
           </a:p>
@@ -1025,7 +1026,7 @@
           <a:p>
             <a:fld id="{53E65EEB-1452-408B-85F2-CF60D044D8E2}" type="datetime1">
               <a:rPr lang="en-CA" smtClean="0"/>
-              <a:t>2019-07-28</a:t>
+              <a:t>2019-08-14</a:t>
             </a:fld>
             <a:endParaRPr lang="en-CA"/>
           </a:p>
@@ -1225,7 +1226,7 @@
           <a:p>
             <a:fld id="{3533EC0D-EF98-419F-B005-8AA3B5EF1009}" type="datetime1">
               <a:rPr lang="en-CA" smtClean="0"/>
-              <a:t>2019-07-28</a:t>
+              <a:t>2019-08-14</a:t>
             </a:fld>
             <a:endParaRPr lang="en-CA"/>
           </a:p>
@@ -1501,7 +1502,7 @@
           <a:p>
             <a:fld id="{48765865-E831-48F5-89E2-D54E6B0B8016}" type="datetime1">
               <a:rPr lang="en-CA" smtClean="0"/>
-              <a:t>2019-07-28</a:t>
+              <a:t>2019-08-14</a:t>
             </a:fld>
             <a:endParaRPr lang="en-CA"/>
           </a:p>
@@ -1769,7 +1770,7 @@
           <a:p>
             <a:fld id="{C9D3AB74-4DF1-4168-B75F-CE0000711E9D}" type="datetime1">
               <a:rPr lang="en-CA" smtClean="0"/>
-              <a:t>2019-07-28</a:t>
+              <a:t>2019-08-14</a:t>
             </a:fld>
             <a:endParaRPr lang="en-CA"/>
           </a:p>
@@ -2184,7 +2185,7 @@
           <a:p>
             <a:fld id="{85A5A49A-8455-40F7-A5E4-7727E8ECA121}" type="datetime1">
               <a:rPr lang="en-CA" smtClean="0"/>
-              <a:t>2019-07-28</a:t>
+              <a:t>2019-08-14</a:t>
             </a:fld>
             <a:endParaRPr lang="en-CA"/>
           </a:p>
@@ -2326,7 +2327,7 @@
           <a:p>
             <a:fld id="{87D5E03A-96DD-4968-BC62-99AE9AB6E61D}" type="datetime1">
               <a:rPr lang="en-CA" smtClean="0"/>
-              <a:t>2019-07-28</a:t>
+              <a:t>2019-08-14</a:t>
             </a:fld>
             <a:endParaRPr lang="en-CA"/>
           </a:p>
@@ -2439,7 +2440,7 @@
           <a:p>
             <a:fld id="{C18E56E0-6130-472A-820B-02340E7098B8}" type="datetime1">
               <a:rPr lang="en-CA" smtClean="0"/>
-              <a:t>2019-07-28</a:t>
+              <a:t>2019-08-14</a:t>
             </a:fld>
             <a:endParaRPr lang="en-CA"/>
           </a:p>
@@ -2752,7 +2753,7 @@
           <a:p>
             <a:fld id="{79630461-BA9B-42D8-8690-D9FA860F639B}" type="datetime1">
               <a:rPr lang="en-CA" smtClean="0"/>
-              <a:t>2019-07-28</a:t>
+              <a:t>2019-08-14</a:t>
             </a:fld>
             <a:endParaRPr lang="en-CA"/>
           </a:p>
@@ -3041,7 +3042,7 @@
           <a:p>
             <a:fld id="{F372E817-E3BC-4BF2-8721-932AE58A31EB}" type="datetime1">
               <a:rPr lang="en-CA" smtClean="0"/>
-              <a:t>2019-07-28</a:t>
+              <a:t>2019-08-14</a:t>
             </a:fld>
             <a:endParaRPr lang="en-CA"/>
           </a:p>
@@ -3284,7 +3285,7 @@
           <a:p>
             <a:fld id="{D0F4D617-B802-45EF-BB7A-C0879F041ED8}" type="datetime1">
               <a:rPr lang="en-CA" smtClean="0"/>
-              <a:t>2019-07-28</a:t>
+              <a:t>2019-08-14</a:t>
             </a:fld>
             <a:endParaRPr lang="en-CA"/>
           </a:p>
@@ -5069,6 +5070,125 @@
     <p:extLst>
       <p:ext uri="{BB962C8B-B14F-4D97-AF65-F5344CB8AC3E}">
         <p14:creationId xmlns:p14="http://schemas.microsoft.com/office/powerpoint/2010/main" val="1988782483"/>
+      </p:ext>
+    </p:extLst>
+  </p:cSld>
+  <p:clrMapOvr>
+    <a:masterClrMapping/>
+  </p:clrMapOvr>
+</p:sld>
+</file>
+
+<file path=ppt/slides/slide3.xml><?xml version="1.0" encoding="utf-8"?>
+<p:sld xmlns:a="http://schemas.openxmlformats.org/drawingml/2006/main" xmlns:r="http://schemas.openxmlformats.org/officeDocument/2006/relationships" xmlns:p="http://schemas.openxmlformats.org/presentationml/2006/main">
+  <p:cSld>
+    <p:bg>
+      <p:bgPr>
+        <a:solidFill>
+          <a:schemeClr val="bg1"/>
+        </a:solidFill>
+        <a:effectLst/>
+      </p:bgPr>
+    </p:bg>
+    <p:spTree>
+      <p:nvGrpSpPr>
+        <p:cNvPr id="1" name=""/>
+        <p:cNvGrpSpPr/>
+        <p:nvPr/>
+      </p:nvGrpSpPr>
+      <p:grpSpPr>
+        <a:xfrm>
+          <a:off x="0" y="0"/>
+          <a:ext cx="0" cy="0"/>
+          <a:chOff x="0" y="0"/>
+          <a:chExt cx="0" cy="0"/>
+        </a:xfrm>
+      </p:grpSpPr>
+      <p:pic>
+        <p:nvPicPr>
+          <p:cNvPr id="5" name="Picture 4" descr="A snow covered mountain&#10;&#10;Description automatically generated">
+            <a:extLst>
+              <a:ext uri="{FF2B5EF4-FFF2-40B4-BE49-F238E27FC236}">
+                <a16:creationId xmlns:a16="http://schemas.microsoft.com/office/drawing/2014/main" id="{41CE1DFC-3068-48DA-8F0A-DFF2D152FFB6}"/>
+              </a:ext>
+            </a:extLst>
+          </p:cNvPr>
+          <p:cNvPicPr>
+            <a:picLocks noChangeAspect="1"/>
+          </p:cNvPicPr>
+          <p:nvPr/>
+        </p:nvPicPr>
+        <p:blipFill rotWithShape="1">
+          <a:blip r:embed="rId2">
+            <a:extLst>
+              <a:ext uri="{28A0092B-C50C-407E-A947-70E740481C1C}">
+                <a14:useLocalDpi xmlns:a14="http://schemas.microsoft.com/office/drawing/2010/main" val="0"/>
+              </a:ext>
+            </a:extLst>
+          </a:blip>
+          <a:srcRect l="11111"/>
+          <a:stretch/>
+        </p:blipFill>
+        <p:spPr>
+          <a:xfrm>
+            <a:off x="20" y="10"/>
+            <a:ext cx="12191980" cy="6857990"/>
+          </a:xfrm>
+          <a:prstGeom prst="rect">
+            <a:avLst/>
+          </a:prstGeom>
+        </p:spPr>
+      </p:pic>
+      <p:sp>
+        <p:nvSpPr>
+          <p:cNvPr id="6" name="TextBox 5">
+            <a:extLst>
+              <a:ext uri="{FF2B5EF4-FFF2-40B4-BE49-F238E27FC236}">
+                <a16:creationId xmlns:a16="http://schemas.microsoft.com/office/drawing/2014/main" id="{FCC6FACE-7E6D-4C6A-BD91-D53A42D7173C}"/>
+              </a:ext>
+            </a:extLst>
+          </p:cNvPr>
+          <p:cNvSpPr txBox="1"/>
+          <p:nvPr/>
+        </p:nvSpPr>
+        <p:spPr>
+          <a:xfrm>
+            <a:off x="1475874" y="1411705"/>
+            <a:ext cx="8462210" cy="769441"/>
+          </a:xfrm>
+          <a:prstGeom prst="rect">
+            <a:avLst/>
+          </a:prstGeom>
+          <a:noFill/>
+        </p:spPr>
+        <p:txBody>
+          <a:bodyPr wrap="square" rtlCol="0">
+            <a:spAutoFit/>
+          </a:bodyPr>
+          <a:lstStyle/>
+          <a:p>
+            <a:r>
+              <a:rPr lang="en-US" sz="4400" dirty="0">
+                <a:solidFill>
+                  <a:schemeClr val="bg1"/>
+                </a:solidFill>
+                <a:latin typeface="Futura Md BT" panose="020B0602020204020303" pitchFamily="34" charset="0"/>
+              </a:rPr>
+              <a:t>GLOBAL WEATHER &amp; LATITUDE</a:t>
+            </a:r>
+            <a:endParaRPr lang="en-CA" sz="4400" dirty="0">
+              <a:solidFill>
+                <a:schemeClr val="bg1"/>
+              </a:solidFill>
+              <a:latin typeface="Futura Md BT" panose="020B0602020204020303" pitchFamily="34" charset="0"/>
+            </a:endParaRPr>
+          </a:p>
+        </p:txBody>
+      </p:sp>
+    </p:spTree>
+    <p:extLst>
+      <p:ext uri="{BB962C8B-B14F-4D97-AF65-F5344CB8AC3E}">
+        <p14:creationId xmlns:p14="http://schemas.microsoft.com/office/powerpoint/2010/main" val="4183096024"/>
       </p:ext>
     </p:extLst>
   </p:cSld>

--- a/Week 10 - Advanced Data Storage and Retrieval/Homework/Instructions/ClimatePy.pptx
+++ b/Week 10 - Advanced Data Storage and Retrieval/Homework/Instructions/ClimatePy.pptx
@@ -199,7 +199,7 @@
           <a:p>
             <a:fld id="{2528BF32-87B3-4D86-90A2-53319B7DFE23}" type="datetimeFigureOut">
               <a:rPr lang="en-CA" smtClean="0"/>
-              <a:t>2019-08-14</a:t>
+              <a:t>2019-08-18</a:t>
             </a:fld>
             <a:endParaRPr lang="en-CA"/>
           </a:p>
@@ -616,7 +616,7 @@
           <a:p>
             <a:fld id="{0F941354-537A-4752-81F5-DA44B1FBC896}" type="datetime1">
               <a:rPr lang="en-CA" smtClean="0"/>
-              <a:t>2019-08-14</a:t>
+              <a:t>2019-08-18</a:t>
             </a:fld>
             <a:endParaRPr lang="en-CA"/>
           </a:p>
@@ -816,7 +816,7 @@
           <a:p>
             <a:fld id="{A3765F36-17F6-43B4-87F5-D2F3B18CE649}" type="datetime1">
               <a:rPr lang="en-CA" smtClean="0"/>
-              <a:t>2019-08-14</a:t>
+              <a:t>2019-08-18</a:t>
             </a:fld>
             <a:endParaRPr lang="en-CA"/>
           </a:p>
@@ -1026,7 +1026,7 @@
           <a:p>
             <a:fld id="{53E65EEB-1452-408B-85F2-CF60D044D8E2}" type="datetime1">
               <a:rPr lang="en-CA" smtClean="0"/>
-              <a:t>2019-08-14</a:t>
+              <a:t>2019-08-18</a:t>
             </a:fld>
             <a:endParaRPr lang="en-CA"/>
           </a:p>
@@ -1226,7 +1226,7 @@
           <a:p>
             <a:fld id="{3533EC0D-EF98-419F-B005-8AA3B5EF1009}" type="datetime1">
               <a:rPr lang="en-CA" smtClean="0"/>
-              <a:t>2019-08-14</a:t>
+              <a:t>2019-08-18</a:t>
             </a:fld>
             <a:endParaRPr lang="en-CA"/>
           </a:p>
@@ -1502,7 +1502,7 @@
           <a:p>
             <a:fld id="{48765865-E831-48F5-89E2-D54E6B0B8016}" type="datetime1">
               <a:rPr lang="en-CA" smtClean="0"/>
-              <a:t>2019-08-14</a:t>
+              <a:t>2019-08-18</a:t>
             </a:fld>
             <a:endParaRPr lang="en-CA"/>
           </a:p>
@@ -1770,7 +1770,7 @@
           <a:p>
             <a:fld id="{C9D3AB74-4DF1-4168-B75F-CE0000711E9D}" type="datetime1">
               <a:rPr lang="en-CA" smtClean="0"/>
-              <a:t>2019-08-14</a:t>
+              <a:t>2019-08-18</a:t>
             </a:fld>
             <a:endParaRPr lang="en-CA"/>
           </a:p>
@@ -2185,7 +2185,7 @@
           <a:p>
             <a:fld id="{85A5A49A-8455-40F7-A5E4-7727E8ECA121}" type="datetime1">
               <a:rPr lang="en-CA" smtClean="0"/>
-              <a:t>2019-08-14</a:t>
+              <a:t>2019-08-18</a:t>
             </a:fld>
             <a:endParaRPr lang="en-CA"/>
           </a:p>
@@ -2327,7 +2327,7 @@
           <a:p>
             <a:fld id="{87D5E03A-96DD-4968-BC62-99AE9AB6E61D}" type="datetime1">
               <a:rPr lang="en-CA" smtClean="0"/>
-              <a:t>2019-08-14</a:t>
+              <a:t>2019-08-18</a:t>
             </a:fld>
             <a:endParaRPr lang="en-CA"/>
           </a:p>
@@ -2440,7 +2440,7 @@
           <a:p>
             <a:fld id="{C18E56E0-6130-472A-820B-02340E7098B8}" type="datetime1">
               <a:rPr lang="en-CA" smtClean="0"/>
-              <a:t>2019-08-14</a:t>
+              <a:t>2019-08-18</a:t>
             </a:fld>
             <a:endParaRPr lang="en-CA"/>
           </a:p>
@@ -2753,7 +2753,7 @@
           <a:p>
             <a:fld id="{79630461-BA9B-42D8-8690-D9FA860F639B}" type="datetime1">
               <a:rPr lang="en-CA" smtClean="0"/>
-              <a:t>2019-08-14</a:t>
+              <a:t>2019-08-18</a:t>
             </a:fld>
             <a:endParaRPr lang="en-CA"/>
           </a:p>
@@ -3042,7 +3042,7 @@
           <a:p>
             <a:fld id="{F372E817-E3BC-4BF2-8721-932AE58A31EB}" type="datetime1">
               <a:rPr lang="en-CA" smtClean="0"/>
-              <a:t>2019-08-14</a:t>
+              <a:t>2019-08-18</a:t>
             </a:fld>
             <a:endParaRPr lang="en-CA"/>
           </a:p>
@@ -3285,7 +3285,7 @@
           <a:p>
             <a:fld id="{D0F4D617-B802-45EF-BB7A-C0879F041ED8}" type="datetime1">
               <a:rPr lang="en-CA" smtClean="0"/>
-              <a:t>2019-08-14</a:t>
+              <a:t>2019-08-18</a:t>
             </a:fld>
             <a:endParaRPr lang="en-CA"/>
           </a:p>
@@ -5185,6 +5185,128 @@
           </a:p>
         </p:txBody>
       </p:sp>
+      <p:sp>
+        <p:nvSpPr>
+          <p:cNvPr id="4" name="TextBox 3">
+            <a:extLst>
+              <a:ext uri="{FF2B5EF4-FFF2-40B4-BE49-F238E27FC236}">
+                <a16:creationId xmlns:a16="http://schemas.microsoft.com/office/drawing/2014/main" id="{FF81AF66-8C1E-4442-96E0-5961C3AB6A94}"/>
+              </a:ext>
+            </a:extLst>
+          </p:cNvPr>
+          <p:cNvSpPr txBox="1"/>
+          <p:nvPr/>
+        </p:nvSpPr>
+        <p:spPr>
+          <a:xfrm>
+            <a:off x="1548074" y="2018656"/>
+            <a:ext cx="1692442" cy="307777"/>
+          </a:xfrm>
+          <a:prstGeom prst="rect">
+            <a:avLst/>
+          </a:prstGeom>
+          <a:noFill/>
+        </p:spPr>
+        <p:txBody>
+          <a:bodyPr wrap="square" rtlCol="0">
+            <a:spAutoFit/>
+          </a:bodyPr>
+          <a:lstStyle/>
+          <a:p>
+            <a:r>
+              <a:rPr lang="en-US" sz="1400" dirty="0">
+                <a:solidFill>
+                  <a:schemeClr val="bg1"/>
+                </a:solidFill>
+                <a:latin typeface="Futura Md BT" panose="020B0602020204020303" pitchFamily="34" charset="0"/>
+              </a:rPr>
+              <a:t>TOM CALLEGARI</a:t>
+            </a:r>
+            <a:endParaRPr lang="en-CA" sz="1400" dirty="0">
+              <a:solidFill>
+                <a:schemeClr val="bg1"/>
+              </a:solidFill>
+              <a:latin typeface="Futura Md BT" panose="020B0602020204020303" pitchFamily="34" charset="0"/>
+            </a:endParaRPr>
+          </a:p>
+        </p:txBody>
+      </p:sp>
+      <p:sp>
+        <p:nvSpPr>
+          <p:cNvPr id="7" name="TextBox 6">
+            <a:extLst>
+              <a:ext uri="{FF2B5EF4-FFF2-40B4-BE49-F238E27FC236}">
+                <a16:creationId xmlns:a16="http://schemas.microsoft.com/office/drawing/2014/main" id="{356065E6-24ED-4454-B2A2-EB827AEB6EC6}"/>
+              </a:ext>
+            </a:extLst>
+          </p:cNvPr>
+          <p:cNvSpPr txBox="1"/>
+          <p:nvPr/>
+        </p:nvSpPr>
+        <p:spPr>
+          <a:xfrm>
+            <a:off x="8173453" y="2027257"/>
+            <a:ext cx="1411705" cy="307777"/>
+          </a:xfrm>
+          <a:prstGeom prst="rect">
+            <a:avLst/>
+          </a:prstGeom>
+          <a:noFill/>
+        </p:spPr>
+        <p:txBody>
+          <a:bodyPr wrap="square" rtlCol="0">
+            <a:spAutoFit/>
+          </a:bodyPr>
+          <a:lstStyle/>
+          <a:p>
+            <a:r>
+              <a:rPr lang="en-US" sz="1400" dirty="0">
+                <a:solidFill>
+                  <a:schemeClr val="bg1"/>
+                </a:solidFill>
+                <a:latin typeface="Futura Md BT" panose="020B0602020204020303" pitchFamily="34" charset="0"/>
+              </a:rPr>
+              <a:t>AUGUST 2019</a:t>
+            </a:r>
+            <a:endParaRPr lang="en-CA" sz="1400" dirty="0">
+              <a:solidFill>
+                <a:schemeClr val="bg1"/>
+              </a:solidFill>
+              <a:latin typeface="Futura Md BT" panose="020B0602020204020303" pitchFamily="34" charset="0"/>
+            </a:endParaRPr>
+          </a:p>
+        </p:txBody>
+      </p:sp>
+      <p:pic>
+        <p:nvPicPr>
+          <p:cNvPr id="8" name="Picture 7">
+            <a:extLst>
+              <a:ext uri="{FF2B5EF4-FFF2-40B4-BE49-F238E27FC236}">
+                <a16:creationId xmlns:a16="http://schemas.microsoft.com/office/drawing/2014/main" id="{45CBEDE6-5DAA-43C0-ADD7-60105EAC348F}"/>
+              </a:ext>
+            </a:extLst>
+          </p:cNvPr>
+          <p:cNvPicPr>
+            <a:picLocks noChangeAspect="1"/>
+          </p:cNvPicPr>
+          <p:nvPr/>
+        </p:nvPicPr>
+        <p:blipFill>
+          <a:blip r:embed="rId3"/>
+          <a:stretch>
+            <a:fillRect/>
+          </a:stretch>
+        </p:blipFill>
+        <p:spPr>
+          <a:xfrm>
+            <a:off x="3797969" y="833662"/>
+            <a:ext cx="2880312" cy="848310"/>
+          </a:xfrm>
+          <a:prstGeom prst="rect">
+            <a:avLst/>
+          </a:prstGeom>
+        </p:spPr>
+      </p:pic>
     </p:spTree>
     <p:extLst>
       <p:ext uri="{BB962C8B-B14F-4D97-AF65-F5344CB8AC3E}">

--- a/Week 10 - Advanced Data Storage and Retrieval/Homework/Instructions/ClimatePy.pptx
+++ b/Week 10 - Advanced Data Storage and Retrieval/Homework/Instructions/ClimatePy.pptx
@@ -5131,7 +5131,7 @@
         </p:blipFill>
         <p:spPr>
           <a:xfrm>
-            <a:off x="20" y="10"/>
+            <a:off x="20" y="0"/>
             <a:ext cx="12191980" cy="6857990"/>
           </a:xfrm>
           <a:prstGeom prst="rect">
@@ -5153,8 +5153,8 @@
         </p:nvSpPr>
         <p:spPr>
           <a:xfrm>
-            <a:off x="1475874" y="1411705"/>
-            <a:ext cx="8462210" cy="769441"/>
+            <a:off x="4555954" y="1905998"/>
+            <a:ext cx="3441031" cy="369332"/>
           </a:xfrm>
           <a:prstGeom prst="rect">
             <a:avLst/>
@@ -5168,7 +5168,7 @@
           <a:lstStyle/>
           <a:p>
             <a:r>
-              <a:rPr lang="en-US" sz="4400" dirty="0">
+              <a:rPr lang="en-US" dirty="0">
                 <a:solidFill>
                   <a:schemeClr val="bg1"/>
                 </a:solidFill>
@@ -5176,7 +5176,7 @@
               </a:rPr>
               <a:t>GLOBAL WEATHER &amp; LATITUDE</a:t>
             </a:r>
-            <a:endParaRPr lang="en-CA" sz="4400" dirty="0">
+            <a:endParaRPr lang="en-CA" dirty="0">
               <a:solidFill>
                 <a:schemeClr val="bg1"/>
               </a:solidFill>
@@ -5199,7 +5199,7 @@
         </p:nvSpPr>
         <p:spPr>
           <a:xfrm>
-            <a:off x="1548074" y="2018656"/>
+            <a:off x="80222" y="2275331"/>
             <a:ext cx="1692442" cy="307777"/>
           </a:xfrm>
           <a:prstGeom prst="rect">
@@ -5245,7 +5245,7 @@
         </p:nvSpPr>
         <p:spPr>
           <a:xfrm>
-            <a:off x="8173453" y="2027257"/>
+            <a:off x="10780275" y="2275330"/>
             <a:ext cx="1411705" cy="307777"/>
           </a:xfrm>
           <a:prstGeom prst="rect">
@@ -5299,7 +5299,7 @@
         </p:blipFill>
         <p:spPr>
           <a:xfrm>
-            <a:off x="3797969" y="833662"/>
+            <a:off x="4836314" y="1242354"/>
             <a:ext cx="2880312" cy="848310"/>
           </a:xfrm>
           <a:prstGeom prst="rect">
